--- a/tests/ShapeCrawler.DevTests/Assets/autoshapes/001.pptx
+++ b/tests/ShapeCrawler.DevTests/Assets/autoshapes/001.pptx
@@ -201,7 +201,7 @@
           <a:p>
             <a:fld id="{12586301-C795-4E70-B468-514DB1C1B146}" type="datetimeFigureOut">
               <a:rPr lang="en-US" smtClean="0"/>
-              <a:t>12/31/2022</a:t>
+              <a:t>6/30/2025</a:t>
             </a:fld>
             <a:endParaRPr lang="en-US"/>
           </a:p>
@@ -359,7 +359,7 @@
           <a:p>
             <a:fld id="{BC8E9BA4-601E-457E-9F74-8060180382E1}" type="slidenum">
               <a:rPr lang="en-US" smtClean="0"/>
-              <a:t>‹Nr.›</a:t>
+              <a:t>‹#›</a:t>
             </a:fld>
             <a:endParaRPr lang="en-US"/>
           </a:p>
@@ -704,7 +704,7 @@
           <a:p>
             <a:fld id="{6A2D1428-0459-4F75-829F-043936AE8C9E}" type="datetimeFigureOut">
               <a:rPr lang="en-US" smtClean="0"/>
-              <a:t>12/31/2022</a:t>
+              <a:t>6/30/2025</a:t>
             </a:fld>
             <a:endParaRPr lang="en-US"/>
           </a:p>
@@ -758,7 +758,7 @@
           <a:p>
             <a:fld id="{D0233697-7C3C-4549-89A7-EC7841C34642}" type="slidenum">
               <a:rPr lang="en-US" smtClean="0"/>
-              <a:t>‹Nr.›</a:t>
+              <a:t>‹#›</a:t>
             </a:fld>
             <a:endParaRPr lang="en-US"/>
           </a:p>
@@ -1000,7 +1000,7 @@
           <a:p>
             <a:fld id="{6A2D1428-0459-4F75-829F-043936AE8C9E}" type="datetimeFigureOut">
               <a:rPr lang="en-US" smtClean="0"/>
-              <a:t>12/31/2022</a:t>
+              <a:t>6/30/2025</a:t>
             </a:fld>
             <a:endParaRPr lang="en-US"/>
           </a:p>
@@ -1054,7 +1054,7 @@
           <a:p>
             <a:fld id="{D0233697-7C3C-4549-89A7-EC7841C34642}" type="slidenum">
               <a:rPr lang="en-US" smtClean="0"/>
-              <a:t>‹Nr.›</a:t>
+              <a:t>‹#›</a:t>
             </a:fld>
             <a:endParaRPr lang="en-US"/>
           </a:p>
@@ -1210,7 +1210,7 @@
           <a:p>
             <a:fld id="{6A2D1428-0459-4F75-829F-043936AE8C9E}" type="datetimeFigureOut">
               <a:rPr lang="en-US" smtClean="0"/>
-              <a:t>12/31/2022</a:t>
+              <a:t>6/30/2025</a:t>
             </a:fld>
             <a:endParaRPr lang="en-US"/>
           </a:p>
@@ -1264,7 +1264,7 @@
           <a:p>
             <a:fld id="{D0233697-7C3C-4549-89A7-EC7841C34642}" type="slidenum">
               <a:rPr lang="en-US" smtClean="0"/>
-              <a:t>‹Nr.›</a:t>
+              <a:t>‹#›</a:t>
             </a:fld>
             <a:endParaRPr lang="en-US"/>
           </a:p>
@@ -1410,7 +1410,7 @@
           <a:p>
             <a:fld id="{6A2D1428-0459-4F75-829F-043936AE8C9E}" type="datetimeFigureOut">
               <a:rPr lang="en-US" smtClean="0"/>
-              <a:t>12/31/2022</a:t>
+              <a:t>6/30/2025</a:t>
             </a:fld>
             <a:endParaRPr lang="en-US"/>
           </a:p>
@@ -1464,7 +1464,7 @@
           <a:p>
             <a:fld id="{D0233697-7C3C-4549-89A7-EC7841C34642}" type="slidenum">
               <a:rPr lang="en-US" smtClean="0"/>
-              <a:t>‹Nr.›</a:t>
+              <a:t>‹#›</a:t>
             </a:fld>
             <a:endParaRPr lang="en-US"/>
           </a:p>
@@ -1686,7 +1686,7 @@
           <a:p>
             <a:fld id="{6A2D1428-0459-4F75-829F-043936AE8C9E}" type="datetimeFigureOut">
               <a:rPr lang="en-US" smtClean="0"/>
-              <a:t>12/31/2022</a:t>
+              <a:t>6/30/2025</a:t>
             </a:fld>
             <a:endParaRPr lang="en-US"/>
           </a:p>
@@ -1740,7 +1740,7 @@
           <a:p>
             <a:fld id="{D0233697-7C3C-4549-89A7-EC7841C34642}" type="slidenum">
               <a:rPr lang="en-US" smtClean="0"/>
-              <a:t>‹Nr.›</a:t>
+              <a:t>‹#›</a:t>
             </a:fld>
             <a:endParaRPr lang="en-US"/>
           </a:p>
@@ -1954,7 +1954,7 @@
           <a:p>
             <a:fld id="{6A2D1428-0459-4F75-829F-043936AE8C9E}" type="datetimeFigureOut">
               <a:rPr lang="en-US" smtClean="0"/>
-              <a:t>12/31/2022</a:t>
+              <a:t>6/30/2025</a:t>
             </a:fld>
             <a:endParaRPr lang="en-US"/>
           </a:p>
@@ -2008,7 +2008,7 @@
           <a:p>
             <a:fld id="{D0233697-7C3C-4549-89A7-EC7841C34642}" type="slidenum">
               <a:rPr lang="en-US" smtClean="0"/>
-              <a:t>‹Nr.›</a:t>
+              <a:t>‹#›</a:t>
             </a:fld>
             <a:endParaRPr lang="en-US"/>
           </a:p>
@@ -2369,7 +2369,7 @@
           <a:p>
             <a:fld id="{6A2D1428-0459-4F75-829F-043936AE8C9E}" type="datetimeFigureOut">
               <a:rPr lang="en-US" smtClean="0"/>
-              <a:t>12/31/2022</a:t>
+              <a:t>6/30/2025</a:t>
             </a:fld>
             <a:endParaRPr lang="en-US"/>
           </a:p>
@@ -2423,7 +2423,7 @@
           <a:p>
             <a:fld id="{D0233697-7C3C-4549-89A7-EC7841C34642}" type="slidenum">
               <a:rPr lang="en-US" smtClean="0"/>
-              <a:t>‹Nr.›</a:t>
+              <a:t>‹#›</a:t>
             </a:fld>
             <a:endParaRPr lang="en-US"/>
           </a:p>
@@ -2511,7 +2511,7 @@
           <a:p>
             <a:fld id="{6A2D1428-0459-4F75-829F-043936AE8C9E}" type="datetimeFigureOut">
               <a:rPr lang="en-US" smtClean="0"/>
-              <a:t>12/31/2022</a:t>
+              <a:t>6/30/2025</a:t>
             </a:fld>
             <a:endParaRPr lang="en-US"/>
           </a:p>
@@ -2565,7 +2565,7 @@
           <a:p>
             <a:fld id="{D0233697-7C3C-4549-89A7-EC7841C34642}" type="slidenum">
               <a:rPr lang="en-US" smtClean="0"/>
-              <a:t>‹Nr.›</a:t>
+              <a:t>‹#›</a:t>
             </a:fld>
             <a:endParaRPr lang="en-US"/>
           </a:p>
@@ -2624,7 +2624,7 @@
           <a:p>
             <a:fld id="{6A2D1428-0459-4F75-829F-043936AE8C9E}" type="datetimeFigureOut">
               <a:rPr lang="en-US" smtClean="0"/>
-              <a:t>12/31/2022</a:t>
+              <a:t>6/30/2025</a:t>
             </a:fld>
             <a:endParaRPr lang="en-US"/>
           </a:p>
@@ -2678,7 +2678,7 @@
           <a:p>
             <a:fld id="{D0233697-7C3C-4549-89A7-EC7841C34642}" type="slidenum">
               <a:rPr lang="en-US" smtClean="0"/>
-              <a:t>‹Nr.›</a:t>
+              <a:t>‹#›</a:t>
             </a:fld>
             <a:endParaRPr lang="en-US"/>
           </a:p>
@@ -2937,7 +2937,7 @@
           <a:p>
             <a:fld id="{6A2D1428-0459-4F75-829F-043936AE8C9E}" type="datetimeFigureOut">
               <a:rPr lang="en-US" smtClean="0"/>
-              <a:t>12/31/2022</a:t>
+              <a:t>6/30/2025</a:t>
             </a:fld>
             <a:endParaRPr lang="en-US"/>
           </a:p>
@@ -2991,7 +2991,7 @@
           <a:p>
             <a:fld id="{D0233697-7C3C-4549-89A7-EC7841C34642}" type="slidenum">
               <a:rPr lang="en-US" smtClean="0"/>
-              <a:t>‹Nr.›</a:t>
+              <a:t>‹#›</a:t>
             </a:fld>
             <a:endParaRPr lang="en-US"/>
           </a:p>
@@ -3226,7 +3226,7 @@
           <a:p>
             <a:fld id="{6A2D1428-0459-4F75-829F-043936AE8C9E}" type="datetimeFigureOut">
               <a:rPr lang="en-US" smtClean="0"/>
-              <a:t>12/31/2022</a:t>
+              <a:t>6/30/2025</a:t>
             </a:fld>
             <a:endParaRPr lang="en-US"/>
           </a:p>
@@ -3280,7 +3280,7 @@
           <a:p>
             <a:fld id="{D0233697-7C3C-4549-89A7-EC7841C34642}" type="slidenum">
               <a:rPr lang="en-US" smtClean="0"/>
-              <a:t>‹Nr.›</a:t>
+              <a:t>‹#›</a:t>
             </a:fld>
             <a:endParaRPr lang="en-US"/>
           </a:p>
@@ -3469,7 +3469,7 @@
           <a:p>
             <a:fld id="{6A2D1428-0459-4F75-829F-043936AE8C9E}" type="datetimeFigureOut">
               <a:rPr lang="en-US" smtClean="0"/>
-              <a:t>12/31/2022</a:t>
+              <a:t>6/30/2025</a:t>
             </a:fld>
             <a:endParaRPr lang="en-US"/>
           </a:p>
@@ -3559,7 +3559,7 @@
           <a:p>
             <a:fld id="{D0233697-7C3C-4549-89A7-EC7841C34642}" type="slidenum">
               <a:rPr lang="en-US" smtClean="0"/>
-              <a:t>‹Nr.›</a:t>
+              <a:t>‹#›</a:t>
             </a:fld>
             <a:endParaRPr lang="en-US"/>
           </a:p>
@@ -4190,12 +4190,12 @@
           <a:graphicData uri="http://schemas.openxmlformats.org/presentationml/2006/ole">
             <mc:AlternateContent xmlns:mc="http://schemas.openxmlformats.org/markup-compatibility/2006">
               <mc:Choice xmlns:v="urn:schemas-microsoft-com:vml" Requires="v">
-                <p:oleObj spid="_x0000_s1026" name="PDF" r:id="rId14" imgW="0" imgH="360" progId="FoxitReader.Document">
+                <p:oleObj name="PDF" r:id="rId13" imgW="0" imgH="360" progId="FoxitReader.Document">
                   <p:embed/>
                 </p:oleObj>
               </mc:Choice>
               <mc:Fallback>
-                <p:oleObj name="PDF" r:id="rId14" imgW="0" imgH="360" progId="FoxitReader.Document">
+                <p:oleObj name="PDF" r:id="rId13" imgW="0" imgH="360" progId="FoxitReader.Document">
                   <p:embed/>
                   <p:pic>
                     <p:nvPicPr>
@@ -4204,7 +4204,7 @@
                       <p:nvPr/>
                     </p:nvPicPr>
                     <p:blipFill>
-                      <a:blip r:embed="rId15"/>
+                      <a:blip r:embed="rId14"/>
                       <a:stretch>
                         <a:fillRect/>
                       </a:stretch>
@@ -5355,7 +5355,7 @@
           <p:nvPr>
             <p:extLst>
               <p:ext uri="{D42A27DB-BD31-4B8C-83A1-F6EECF244321}">
-                <p14:modId xmlns:p14="http://schemas.microsoft.com/office/powerpoint/2010/main" val="1827885564"/>
+                <p14:modId xmlns:p14="http://schemas.microsoft.com/office/powerpoint/2010/main" val="4125385043"/>
               </p:ext>
             </p:extLst>
           </p:nvPr>
@@ -5403,10 +5403,10 @@
                         <a:rPr lang="en-US"/>
                         <a:t>Id5	</a:t>
                       </a:r>
-                      <a:endParaRPr lang="ru-RU"/>
+                      <a:endParaRPr lang="ru-RU" dirty="0"/>
                     </a:p>
                   </a:txBody>
-                  <a:tcPr/>
+                  <a:tcPr vert="vert"/>
                 </a:tc>
                 <a:tc>
                   <a:txBody>
